--- a/slides.pptx
+++ b/slides.pptx
@@ -7,6 +7,7 @@
   <p:sldIdLst>
     <p:sldId id="256" r:id="rId3"/>
     <p:sldId id="257" r:id="rId4"/>
+    <p:sldId id="259" r:id="rId5"/>
   </p:sldIdLst>
   <p:sldSz cx="12192000" cy="6858000"/>
   <p:notesSz cx="6858000" cy="9144000"/>
@@ -2961,6 +2962,20 @@
             </a:r>
             <a:endParaRPr lang="x-none" altLang="en-US"/>
           </a:p>
+          <a:p>
+            <a:r>
+              <a:rPr lang="x-none" altLang="en-US"/>
+              <a:t>indobits@gmail.com</a:t>
+            </a:r>
+            <a:endParaRPr lang="x-none" altLang="en-US"/>
+          </a:p>
+          <a:p>
+            <a:r>
+              <a:rPr lang="x-none" altLang="en-US"/>
+              <a:t>github.com/indobits</a:t>
+            </a:r>
+            <a:endParaRPr lang="x-none" altLang="en-US"/>
+          </a:p>
         </p:txBody>
       </p:sp>
     </p:spTree>
@@ -2981,47 +2996,105 @@
         <p:nvPr/>
       </p:nvGrpSpPr>
       <p:grpSpPr/>
-      <p:sp>
-        <p:nvSpPr>
-          <p:cNvPr id="2" name="Title 1"/>
-          <p:cNvSpPr>
-            <a:spLocks noGrp="1"/>
-          </p:cNvSpPr>
-          <p:nvPr>
-            <p:ph type="title"/>
-          </p:nvPr>
-        </p:nvSpPr>
-        <p:spPr/>
-        <p:txBody>
-          <a:bodyPr/>
-          <a:p>
-            <a:endParaRPr lang="x-none" altLang="en-US"/>
-          </a:p>
-        </p:txBody>
-      </p:sp>
-      <p:sp>
-        <p:nvSpPr>
-          <p:cNvPr id="3" name="Content Placeholder 2"/>
-          <p:cNvSpPr>
-            <a:spLocks noGrp="1"/>
-          </p:cNvSpPr>
+      <p:pic>
+        <p:nvPicPr>
+          <p:cNvPr id="4" name="Content Placeholder 3"/>
+          <p:cNvPicPr>
+            <a:picLocks noChangeAspect="1"/>
+          </p:cNvPicPr>
           <p:nvPr>
             <p:ph idx="1"/>
           </p:nvPr>
-        </p:nvSpPr>
-        <p:spPr/>
-        <p:txBody>
-          <a:bodyPr/>
-          <a:p>
-            <a:endParaRPr lang="en-US"/>
-          </a:p>
-        </p:txBody>
-      </p:sp>
+        </p:nvPicPr>
+        <p:blipFill>
+          <a:blip r:embed="rId1"/>
+          <a:stretch>
+            <a:fillRect/>
+          </a:stretch>
+        </p:blipFill>
+        <p:spPr>
+          <a:xfrm>
+            <a:off x="379095" y="1847215"/>
+            <a:ext cx="6125845" cy="2986405"/>
+          </a:xfrm>
+          <a:prstGeom prst="rect">
+            <a:avLst/>
+          </a:prstGeom>
+        </p:spPr>
+      </p:pic>
+      <p:pic>
+        <p:nvPicPr>
+          <p:cNvPr id="6" name="Picture 5" descr="Screenshot from 2018-10-26 17-29-03"/>
+          <p:cNvPicPr>
+            <a:picLocks noChangeAspect="1"/>
+          </p:cNvPicPr>
+          <p:nvPr/>
+        </p:nvPicPr>
+        <p:blipFill>
+          <a:blip r:embed="rId2"/>
+          <a:stretch>
+            <a:fillRect/>
+          </a:stretch>
+        </p:blipFill>
+        <p:spPr>
+          <a:xfrm>
+            <a:off x="7179310" y="2503805"/>
+            <a:ext cx="4163695" cy="1936115"/>
+          </a:xfrm>
+          <a:prstGeom prst="rect">
+            <a:avLst/>
+          </a:prstGeom>
+        </p:spPr>
+      </p:pic>
     </p:spTree>
   </p:cSld>
   <p:clrMapOvr>
     <a:masterClrMapping/>
   </p:clrMapOvr>
+  <p:transition/>
+</p:sld>
+</file>
+
+<file path=ppt/slides/slide3.xml><?xml version="1.0" encoding="utf-8"?>
+<p:sld xmlns:a="http://schemas.openxmlformats.org/drawingml/2006/main" xmlns:r="http://schemas.openxmlformats.org/officeDocument/2006/relationships" xmlns:p="http://schemas.openxmlformats.org/presentationml/2006/main">
+  <p:cSld>
+    <p:spTree>
+      <p:nvGrpSpPr>
+        <p:cNvPr id="1" name=""/>
+        <p:cNvGrpSpPr/>
+        <p:nvPr/>
+      </p:nvGrpSpPr>
+      <p:grpSpPr/>
+      <p:pic>
+        <p:nvPicPr>
+          <p:cNvPr id="4" name="Picture 3" descr="Screenshot from 2018-10-26 16-51-32"/>
+          <p:cNvPicPr>
+            <a:picLocks noChangeAspect="1"/>
+          </p:cNvPicPr>
+          <p:nvPr/>
+        </p:nvPicPr>
+        <p:blipFill>
+          <a:blip r:embed="rId1"/>
+          <a:stretch>
+            <a:fillRect/>
+          </a:stretch>
+        </p:blipFill>
+        <p:spPr>
+          <a:xfrm>
+            <a:off x="3294380" y="961390"/>
+            <a:ext cx="5781040" cy="4545330"/>
+          </a:xfrm>
+          <a:prstGeom prst="rect">
+            <a:avLst/>
+          </a:prstGeom>
+        </p:spPr>
+      </p:pic>
+    </p:spTree>
+  </p:cSld>
+  <p:clrMapOvr>
+    <a:masterClrMapping/>
+  </p:clrMapOvr>
+  <p:transition/>
 </p:sld>
 </file>
 
